--- a/Hypothese1.pptx
+++ b/Hypothese1.pptx
@@ -6,6 +6,7 @@
   </p:sldMasterIdLst>
   <p:sldIdLst>
     <p:sldId id="257" r:id="rId2"/>
+    <p:sldId id="258" r:id="rId3"/>
   </p:sldIdLst>
   <p:sldSz cx="12192000" cy="6858000"/>
   <p:notesSz cx="6858000" cy="9144000"/>
@@ -104,6 +105,11 @@
       </a:defRPr>
     </a:lvl9pPr>
   </p:defaultTextStyle>
+  <p:extLst>
+    <p:ext uri="{EFAFB233-063F-42B5-8137-9DF3F51BA10A}">
+      <p15:sldGuideLst xmlns:p15="http://schemas.microsoft.com/office/powerpoint/2012/main"/>
+    </p:ext>
+  </p:extLst>
 </p:presentation>
 </file>
 
@@ -254,7 +260,7 @@
           <a:p>
             <a:fld id="{3252059E-9B62-4D99-8832-7FB0B71B1E8C}" type="datetimeFigureOut">
               <a:rPr lang="de-DE" smtClean="0"/>
-              <a:t>09.11.2019</a:t>
+              <a:t>10.11.2019</a:t>
             </a:fld>
             <a:endParaRPr lang="de-DE"/>
           </a:p>
@@ -452,7 +458,7 @@
           <a:p>
             <a:fld id="{3252059E-9B62-4D99-8832-7FB0B71B1E8C}" type="datetimeFigureOut">
               <a:rPr lang="de-DE" smtClean="0"/>
-              <a:t>09.11.2019</a:t>
+              <a:t>10.11.2019</a:t>
             </a:fld>
             <a:endParaRPr lang="de-DE"/>
           </a:p>
@@ -660,7 +666,7 @@
           <a:p>
             <a:fld id="{3252059E-9B62-4D99-8832-7FB0B71B1E8C}" type="datetimeFigureOut">
               <a:rPr lang="de-DE" smtClean="0"/>
-              <a:t>09.11.2019</a:t>
+              <a:t>10.11.2019</a:t>
             </a:fld>
             <a:endParaRPr lang="de-DE"/>
           </a:p>
@@ -858,7 +864,7 @@
           <a:p>
             <a:fld id="{3252059E-9B62-4D99-8832-7FB0B71B1E8C}" type="datetimeFigureOut">
               <a:rPr lang="de-DE" smtClean="0"/>
-              <a:t>09.11.2019</a:t>
+              <a:t>10.11.2019</a:t>
             </a:fld>
             <a:endParaRPr lang="de-DE"/>
           </a:p>
@@ -1133,7 +1139,7 @@
           <a:p>
             <a:fld id="{3252059E-9B62-4D99-8832-7FB0B71B1E8C}" type="datetimeFigureOut">
               <a:rPr lang="de-DE" smtClean="0"/>
-              <a:t>09.11.2019</a:t>
+              <a:t>10.11.2019</a:t>
             </a:fld>
             <a:endParaRPr lang="de-DE"/>
           </a:p>
@@ -1398,7 +1404,7 @@
           <a:p>
             <a:fld id="{3252059E-9B62-4D99-8832-7FB0B71B1E8C}" type="datetimeFigureOut">
               <a:rPr lang="de-DE" smtClean="0"/>
-              <a:t>09.11.2019</a:t>
+              <a:t>10.11.2019</a:t>
             </a:fld>
             <a:endParaRPr lang="de-DE"/>
           </a:p>
@@ -1810,7 +1816,7 @@
           <a:p>
             <a:fld id="{3252059E-9B62-4D99-8832-7FB0B71B1E8C}" type="datetimeFigureOut">
               <a:rPr lang="de-DE" smtClean="0"/>
-              <a:t>09.11.2019</a:t>
+              <a:t>10.11.2019</a:t>
             </a:fld>
             <a:endParaRPr lang="de-DE"/>
           </a:p>
@@ -1951,7 +1957,7 @@
           <a:p>
             <a:fld id="{3252059E-9B62-4D99-8832-7FB0B71B1E8C}" type="datetimeFigureOut">
               <a:rPr lang="de-DE" smtClean="0"/>
-              <a:t>09.11.2019</a:t>
+              <a:t>10.11.2019</a:t>
             </a:fld>
             <a:endParaRPr lang="de-DE"/>
           </a:p>
@@ -2064,7 +2070,7 @@
           <a:p>
             <a:fld id="{3252059E-9B62-4D99-8832-7FB0B71B1E8C}" type="datetimeFigureOut">
               <a:rPr lang="de-DE" smtClean="0"/>
-              <a:t>09.11.2019</a:t>
+              <a:t>10.11.2019</a:t>
             </a:fld>
             <a:endParaRPr lang="de-DE"/>
           </a:p>
@@ -2375,7 +2381,7 @@
           <a:p>
             <a:fld id="{3252059E-9B62-4D99-8832-7FB0B71B1E8C}" type="datetimeFigureOut">
               <a:rPr lang="de-DE" smtClean="0"/>
-              <a:t>09.11.2019</a:t>
+              <a:t>10.11.2019</a:t>
             </a:fld>
             <a:endParaRPr lang="de-DE"/>
           </a:p>
@@ -2663,7 +2669,7 @@
           <a:p>
             <a:fld id="{3252059E-9B62-4D99-8832-7FB0B71B1E8C}" type="datetimeFigureOut">
               <a:rPr lang="de-DE" smtClean="0"/>
-              <a:t>09.11.2019</a:t>
+              <a:t>10.11.2019</a:t>
             </a:fld>
             <a:endParaRPr lang="de-DE"/>
           </a:p>
@@ -2904,7 +2910,7 @@
           <a:p>
             <a:fld id="{3252059E-9B62-4D99-8832-7FB0B71B1E8C}" type="datetimeFigureOut">
               <a:rPr lang="de-DE" smtClean="0"/>
-              <a:t>09.11.2019</a:t>
+              <a:t>10.11.2019</a:t>
             </a:fld>
             <a:endParaRPr lang="de-DE"/>
           </a:p>
@@ -3321,108 +3327,12 @@
           <a:chExt cx="0" cy="0"/>
         </a:xfrm>
       </p:grpSpPr>
-      <p:sp>
-        <p:nvSpPr>
-          <p:cNvPr id="2" name="Titel 1">
-            <a:extLst>
-              <a:ext uri="{FF2B5EF4-FFF2-40B4-BE49-F238E27FC236}">
-                <a16:creationId xmlns:a16="http://schemas.microsoft.com/office/drawing/2014/main" id="{5AACF212-5E51-424C-B7F0-74388D68A105}"/>
-              </a:ext>
-            </a:extLst>
-          </p:cNvPr>
-          <p:cNvSpPr>
-            <a:spLocks noGrp="1"/>
-          </p:cNvSpPr>
-          <p:nvPr>
-            <p:ph type="title"/>
-          </p:nvPr>
-        </p:nvSpPr>
-        <p:spPr>
-          <a:xfrm>
-            <a:off x="838200" y="51227"/>
-            <a:ext cx="10515600" cy="641950"/>
-          </a:xfrm>
-        </p:spPr>
-        <p:txBody>
-          <a:bodyPr>
-            <a:normAutofit/>
-          </a:bodyPr>
-          <a:lstStyle/>
-          <a:p>
-            <a:r>
-              <a:rPr lang="de-DE" sz="2400" dirty="0"/>
-              <a:t>Hypothesis 1: </a:t>
-            </a:r>
-            <a:r>
-              <a:rPr lang="de-DE" sz="2400" dirty="0" err="1"/>
-              <a:t>No</a:t>
-            </a:r>
-            <a:r>
-              <a:rPr lang="de-DE" sz="2400" dirty="0"/>
-              <a:t> Bias </a:t>
-            </a:r>
-            <a:r>
-              <a:rPr lang="de-DE" sz="2400" dirty="0" err="1"/>
-              <a:t>if</a:t>
-            </a:r>
-            <a:r>
-              <a:rPr lang="de-DE" sz="2400" dirty="0"/>
-              <a:t> </a:t>
-            </a:r>
-            <a:r>
-              <a:rPr lang="de-DE" sz="2400" dirty="0" err="1"/>
-              <a:t>label</a:t>
-            </a:r>
-            <a:r>
-              <a:rPr lang="de-DE" sz="2400" dirty="0"/>
-              <a:t> </a:t>
-            </a:r>
-            <a:r>
-              <a:rPr lang="de-DE" sz="2400" dirty="0" err="1"/>
-              <a:t>distribution</a:t>
-            </a:r>
-            <a:r>
-              <a:rPr lang="de-DE" sz="2400" dirty="0"/>
-              <a:t> </a:t>
-            </a:r>
-            <a:r>
-              <a:rPr lang="de-DE" sz="2400" dirty="0" err="1"/>
-              <a:t>is</a:t>
-            </a:r>
-            <a:r>
-              <a:rPr lang="de-DE" sz="2400" dirty="0"/>
-              <a:t> </a:t>
-            </a:r>
-            <a:r>
-              <a:rPr lang="de-DE" sz="2400" dirty="0" err="1"/>
-              <a:t>the</a:t>
-            </a:r>
-            <a:r>
-              <a:rPr lang="de-DE" sz="2400" dirty="0"/>
-              <a:t> same in </a:t>
-            </a:r>
-            <a:r>
-              <a:rPr lang="de-DE" sz="2400" dirty="0" err="1"/>
-              <a:t>both</a:t>
-            </a:r>
-            <a:r>
-              <a:rPr lang="de-DE" sz="2400" dirty="0"/>
-              <a:t> </a:t>
-            </a:r>
-            <a:r>
-              <a:rPr lang="de-DE" sz="2400" dirty="0" err="1"/>
-              <a:t>populations</a:t>
-            </a:r>
-            <a:endParaRPr lang="de-DE" sz="2400" dirty="0"/>
-          </a:p>
-        </p:txBody>
-      </p:sp>
       <p:pic>
         <p:nvPicPr>
-          <p:cNvPr id="14" name="Grafik 13">
-            <a:extLst>
-              <a:ext uri="{FF2B5EF4-FFF2-40B4-BE49-F238E27FC236}">
-                <a16:creationId xmlns:a16="http://schemas.microsoft.com/office/drawing/2014/main" id="{040A1E4D-B35E-4A03-9DE4-057361640CA1}"/>
+          <p:cNvPr id="3" name="Grafik 2">
+            <a:extLst>
+              <a:ext uri="{FF2B5EF4-FFF2-40B4-BE49-F238E27FC236}">
+                <a16:creationId xmlns:a16="http://schemas.microsoft.com/office/drawing/2014/main" id="{3827EFAB-87B9-45FF-95DB-D33DA9955BC5}"/>
               </a:ext>
             </a:extLst>
           </p:cNvPr>
@@ -3439,14 +3349,110 @@
         </p:blipFill>
         <p:spPr>
           <a:xfrm>
-            <a:off x="838200" y="578600"/>
-            <a:ext cx="7984214" cy="5700799"/>
+            <a:off x="331769" y="552106"/>
+            <a:ext cx="8066930" cy="6027767"/>
           </a:xfrm>
           <a:prstGeom prst="rect">
             <a:avLst/>
           </a:prstGeom>
         </p:spPr>
       </p:pic>
+      <p:sp>
+        <p:nvSpPr>
+          <p:cNvPr id="2" name="Titel 1">
+            <a:extLst>
+              <a:ext uri="{FF2B5EF4-FFF2-40B4-BE49-F238E27FC236}">
+                <a16:creationId xmlns:a16="http://schemas.microsoft.com/office/drawing/2014/main" id="{5AACF212-5E51-424C-B7F0-74388D68A105}"/>
+              </a:ext>
+            </a:extLst>
+          </p:cNvPr>
+          <p:cNvSpPr>
+            <a:spLocks noGrp="1"/>
+          </p:cNvSpPr>
+          <p:nvPr>
+            <p:ph type="title"/>
+          </p:nvPr>
+        </p:nvSpPr>
+        <p:spPr>
+          <a:xfrm>
+            <a:off x="838200" y="51227"/>
+            <a:ext cx="10515600" cy="641950"/>
+          </a:xfrm>
+        </p:spPr>
+        <p:txBody>
+          <a:bodyPr>
+            <a:normAutofit/>
+          </a:bodyPr>
+          <a:lstStyle/>
+          <a:p>
+            <a:r>
+              <a:rPr lang="de-DE" sz="2400" dirty="0"/>
+              <a:t>Hypothesis 1: </a:t>
+            </a:r>
+            <a:r>
+              <a:rPr lang="de-DE" sz="2400" dirty="0" err="1"/>
+              <a:t>No</a:t>
+            </a:r>
+            <a:r>
+              <a:rPr lang="de-DE" sz="2400" dirty="0"/>
+              <a:t> Bias </a:t>
+            </a:r>
+            <a:r>
+              <a:rPr lang="de-DE" sz="2400" dirty="0" err="1"/>
+              <a:t>if</a:t>
+            </a:r>
+            <a:r>
+              <a:rPr lang="de-DE" sz="2400" dirty="0"/>
+              <a:t> </a:t>
+            </a:r>
+            <a:r>
+              <a:rPr lang="de-DE" sz="2400" dirty="0" err="1"/>
+              <a:t>label</a:t>
+            </a:r>
+            <a:r>
+              <a:rPr lang="de-DE" sz="2400" dirty="0"/>
+              <a:t> </a:t>
+            </a:r>
+            <a:r>
+              <a:rPr lang="de-DE" sz="2400" dirty="0" err="1"/>
+              <a:t>distribution</a:t>
+            </a:r>
+            <a:r>
+              <a:rPr lang="de-DE" sz="2400" dirty="0"/>
+              <a:t> </a:t>
+            </a:r>
+            <a:r>
+              <a:rPr lang="de-DE" sz="2400" dirty="0" err="1"/>
+              <a:t>is</a:t>
+            </a:r>
+            <a:r>
+              <a:rPr lang="de-DE" sz="2400" dirty="0"/>
+              <a:t> </a:t>
+            </a:r>
+            <a:r>
+              <a:rPr lang="de-DE" sz="2400" dirty="0" err="1"/>
+              <a:t>the</a:t>
+            </a:r>
+            <a:r>
+              <a:rPr lang="de-DE" sz="2400" dirty="0"/>
+              <a:t> same in </a:t>
+            </a:r>
+            <a:r>
+              <a:rPr lang="de-DE" sz="2400" dirty="0" err="1"/>
+              <a:t>both</a:t>
+            </a:r>
+            <a:r>
+              <a:rPr lang="de-DE" sz="2400" dirty="0"/>
+              <a:t> </a:t>
+            </a:r>
+            <a:r>
+              <a:rPr lang="de-DE" sz="2400" dirty="0" err="1"/>
+              <a:t>populations</a:t>
+            </a:r>
+            <a:endParaRPr lang="de-DE" sz="2400" dirty="0"/>
+          </a:p>
+        </p:txBody>
+      </p:sp>
       <p:cxnSp>
         <p:nvCxnSpPr>
           <p:cNvPr id="16" name="Gerader Verbinder 15">
@@ -3463,7 +3469,7 @@
         </p:nvCxnSpPr>
         <p:spPr>
           <a:xfrm>
-            <a:off x="1637731" y="4517409"/>
+            <a:off x="1139465" y="4720000"/>
             <a:ext cx="5820770" cy="0"/>
           </a:xfrm>
           <a:prstGeom prst="line">
@@ -3510,7 +3516,7 @@
         </p:nvCxnSpPr>
         <p:spPr>
           <a:xfrm>
-            <a:off x="1637731" y="3257266"/>
+            <a:off x="1139465" y="3372250"/>
             <a:ext cx="5820770" cy="0"/>
           </a:xfrm>
           <a:prstGeom prst="line">
@@ -3557,7 +3563,7 @@
         </p:nvCxnSpPr>
         <p:spPr>
           <a:xfrm>
-            <a:off x="1637731" y="2001671"/>
+            <a:off x="1139465" y="2050951"/>
             <a:ext cx="5820770" cy="0"/>
           </a:xfrm>
           <a:prstGeom prst="line">
@@ -3804,6 +3810,209 @@
     <p:extLst>
       <p:ext uri="{BB962C8B-B14F-4D97-AF65-F5344CB8AC3E}">
         <p14:creationId xmlns:p14="http://schemas.microsoft.com/office/powerpoint/2010/main" val="1440907851"/>
+      </p:ext>
+    </p:extLst>
+  </p:cSld>
+  <p:clrMapOvr>
+    <a:masterClrMapping/>
+  </p:clrMapOvr>
+</p:sld>
+</file>
+
+<file path=ppt/slides/slide2.xml><?xml version="1.0" encoding="utf-8"?>
+<p:sld xmlns:a="http://schemas.openxmlformats.org/drawingml/2006/main" xmlns:r="http://schemas.openxmlformats.org/officeDocument/2006/relationships" xmlns:p="http://schemas.openxmlformats.org/presentationml/2006/main">
+  <p:cSld>
+    <p:spTree>
+      <p:nvGrpSpPr>
+        <p:cNvPr id="1" name=""/>
+        <p:cNvGrpSpPr/>
+        <p:nvPr/>
+      </p:nvGrpSpPr>
+      <p:grpSpPr>
+        <a:xfrm>
+          <a:off x="0" y="0"/>
+          <a:ext cx="0" cy="0"/>
+          <a:chOff x="0" y="0"/>
+          <a:chExt cx="0" cy="0"/>
+        </a:xfrm>
+      </p:grpSpPr>
+      <p:sp>
+        <p:nvSpPr>
+          <p:cNvPr id="2" name="Titel 1">
+            <a:extLst>
+              <a:ext uri="{FF2B5EF4-FFF2-40B4-BE49-F238E27FC236}">
+                <a16:creationId xmlns:a16="http://schemas.microsoft.com/office/drawing/2014/main" id="{5AACF212-5E51-424C-B7F0-74388D68A105}"/>
+              </a:ext>
+            </a:extLst>
+          </p:cNvPr>
+          <p:cNvSpPr>
+            <a:spLocks noGrp="1"/>
+          </p:cNvSpPr>
+          <p:nvPr>
+            <p:ph type="title"/>
+          </p:nvPr>
+        </p:nvSpPr>
+        <p:spPr>
+          <a:xfrm>
+            <a:off x="838200" y="51227"/>
+            <a:ext cx="10515600" cy="641950"/>
+          </a:xfrm>
+        </p:spPr>
+        <p:txBody>
+          <a:bodyPr>
+            <a:normAutofit/>
+          </a:bodyPr>
+          <a:lstStyle/>
+          <a:p>
+            <a:r>
+              <a:rPr lang="de-DE" sz="2400" dirty="0"/>
+              <a:t>Hypothesis 2: </a:t>
+            </a:r>
+            <a:r>
+              <a:rPr lang="de-DE" sz="2400" dirty="0" err="1"/>
+              <a:t>No</a:t>
+            </a:r>
+            <a:r>
+              <a:rPr lang="de-DE" sz="2400" dirty="0"/>
+              <a:t> Bias </a:t>
+            </a:r>
+            <a:r>
+              <a:rPr lang="de-DE" sz="2400" dirty="0" err="1"/>
+              <a:t>if</a:t>
+            </a:r>
+            <a:r>
+              <a:rPr lang="de-DE" sz="2400" dirty="0"/>
+              <a:t> </a:t>
+            </a:r>
+            <a:r>
+              <a:rPr lang="de-DE" sz="2400" dirty="0" err="1"/>
+              <a:t>no</a:t>
+            </a:r>
+            <a:r>
+              <a:rPr lang="de-DE" sz="2400" dirty="0"/>
+              <a:t> </a:t>
+            </a:r>
+            <a:r>
+              <a:rPr lang="de-DE" sz="2400" dirty="0" err="1"/>
+              <a:t>population</a:t>
+            </a:r>
+            <a:r>
+              <a:rPr lang="de-DE" sz="2400" dirty="0"/>
+              <a:t> </a:t>
+            </a:r>
+            <a:r>
+              <a:rPr lang="de-DE" sz="2400" dirty="0" err="1"/>
+              <a:t>is</a:t>
+            </a:r>
+            <a:r>
+              <a:rPr lang="de-DE" sz="2400" dirty="0"/>
+              <a:t> </a:t>
+            </a:r>
+            <a:r>
+              <a:rPr lang="de-DE" sz="2400" dirty="0" err="1"/>
+              <a:t>overrepresened</a:t>
+            </a:r>
+            <a:endParaRPr lang="de-DE" sz="2400" dirty="0"/>
+          </a:p>
+        </p:txBody>
+      </p:sp>
+      <p:sp>
+        <p:nvSpPr>
+          <p:cNvPr id="20" name="Textfeld 19">
+            <a:extLst>
+              <a:ext uri="{FF2B5EF4-FFF2-40B4-BE49-F238E27FC236}">
+                <a16:creationId xmlns:a16="http://schemas.microsoft.com/office/drawing/2014/main" id="{0696F6CC-0444-4843-90FD-4C9BE985DEFE}"/>
+              </a:ext>
+            </a:extLst>
+          </p:cNvPr>
+          <p:cNvSpPr txBox="1"/>
+          <p:nvPr/>
+        </p:nvSpPr>
+        <p:spPr>
+          <a:xfrm>
+            <a:off x="9239534" y="693177"/>
+            <a:ext cx="2511188" cy="923330"/>
+          </a:xfrm>
+          <a:prstGeom prst="rect">
+            <a:avLst/>
+          </a:prstGeom>
+          <a:noFill/>
+        </p:spPr>
+        <p:txBody>
+          <a:bodyPr wrap="square" rtlCol="0">
+            <a:spAutoFit/>
+          </a:bodyPr>
+          <a:lstStyle/>
+          <a:p>
+            <a:pPr marL="285750" indent="-285750">
+              <a:buFontTx/>
+              <a:buChar char="-"/>
+            </a:pPr>
+            <a:r>
+              <a:rPr lang="de-DE" dirty="0" err="1"/>
+              <a:t>Hypotheses</a:t>
+            </a:r>
+            <a:r>
+              <a:rPr lang="de-DE" dirty="0"/>
+              <a:t> </a:t>
+            </a:r>
+            <a:r>
+              <a:rPr lang="de-DE" dirty="0" err="1"/>
+              <a:t>holds</a:t>
+            </a:r>
+            <a:r>
+              <a:rPr lang="de-DE" dirty="0"/>
+              <a:t> not </a:t>
+            </a:r>
+            <a:r>
+              <a:rPr lang="de-DE" dirty="0" err="1"/>
+              <a:t>true</a:t>
+            </a:r>
+            <a:endParaRPr lang="de-DE" dirty="0"/>
+          </a:p>
+          <a:p>
+            <a:pPr marL="285750" indent="-285750">
+              <a:buFontTx/>
+              <a:buChar char="-"/>
+            </a:pPr>
+            <a:endParaRPr lang="de-DE" dirty="0"/>
+          </a:p>
+        </p:txBody>
+      </p:sp>
+      <p:pic>
+        <p:nvPicPr>
+          <p:cNvPr id="7" name="Grafik 6">
+            <a:extLst>
+              <a:ext uri="{FF2B5EF4-FFF2-40B4-BE49-F238E27FC236}">
+                <a16:creationId xmlns:a16="http://schemas.microsoft.com/office/drawing/2014/main" id="{CC286DDF-6072-4942-932B-CA8588AEB6A3}"/>
+              </a:ext>
+            </a:extLst>
+          </p:cNvPr>
+          <p:cNvPicPr>
+            <a:picLocks noChangeAspect="1"/>
+          </p:cNvPicPr>
+          <p:nvPr/>
+        </p:nvPicPr>
+        <p:blipFill>
+          <a:blip r:embed="rId2"/>
+          <a:stretch>
+            <a:fillRect/>
+          </a:stretch>
+        </p:blipFill>
+        <p:spPr>
+          <a:xfrm>
+            <a:off x="631397" y="693177"/>
+            <a:ext cx="7833647" cy="5805576"/>
+          </a:xfrm>
+          <a:prstGeom prst="rect">
+            <a:avLst/>
+          </a:prstGeom>
+        </p:spPr>
+      </p:pic>
+    </p:spTree>
+    <p:extLst>
+      <p:ext uri="{BB962C8B-B14F-4D97-AF65-F5344CB8AC3E}">
+        <p14:creationId xmlns:p14="http://schemas.microsoft.com/office/powerpoint/2010/main" val="3401197473"/>
       </p:ext>
     </p:extLst>
   </p:cSld>
